--- a/10. Kendo-UI-ASP.NET-MVC-Wrappers/Kendo UI ASP.NET MVC Wrappers.pptx
+++ b/10. Kendo-UI-ASP.NET-MVC-Wrappers/Kendo UI ASP.NET MVC Wrappers.pptx
@@ -5,10 +5,10 @@
     <p:sldMasterId id="2147483672" r:id="rId1"/>
   </p:sldMasterIdLst>
   <p:notesMasterIdLst>
-    <p:notesMasterId r:id="rId22"/>
+    <p:notesMasterId r:id="rId21"/>
   </p:notesMasterIdLst>
   <p:handoutMasterIdLst>
-    <p:handoutMasterId r:id="rId23"/>
+    <p:handoutMasterId r:id="rId22"/>
   </p:handoutMasterIdLst>
   <p:sldIdLst>
     <p:sldId id="338" r:id="rId2"/>
@@ -29,13 +29,12 @@
     <p:sldId id="446" r:id="rId17"/>
     <p:sldId id="449" r:id="rId18"/>
     <p:sldId id="334" r:id="rId19"/>
-    <p:sldId id="450" r:id="rId20"/>
-    <p:sldId id="403" r:id="rId21"/>
+    <p:sldId id="403" r:id="rId20"/>
   </p:sldIdLst>
   <p:sldSz cx="9144000" cy="6858000" type="screen4x3"/>
   <p:notesSz cx="6881813" cy="9296400"/>
   <p:custDataLst>
-    <p:tags r:id="rId24"/>
+    <p:tags r:id="rId23"/>
   </p:custDataLst>
   <p:defaultTextStyle>
     <a:defPPr>
@@ -164,7 +163,7 @@
   </p:defaultTextStyle>
   <p:extLst>
     <p:ext uri="{EFAFB233-063F-42B5-8137-9DF3F51BA10A}">
-      <p15:sldGuideLst xmlns:p15="http://schemas.microsoft.com/office/powerpoint/2012/main" xmlns="">
+      <p15:sldGuideLst xmlns:p15="http://schemas.microsoft.com/office/powerpoint/2012/main">
         <p15:guide id="1" orient="horz" pos="2160">
           <p15:clr>
             <a:srgbClr val="A4A3A4"/>
@@ -178,7 +177,7 @@
       </p15:sldGuideLst>
     </p:ext>
     <p:ext uri="{2D200454-40CA-4A62-9FC3-DE9A4176ACB9}">
-      <p15:notesGuideLst xmlns:p15="http://schemas.microsoft.com/office/powerpoint/2012/main" xmlns="">
+      <p15:notesGuideLst xmlns:p15="http://schemas.microsoft.com/office/powerpoint/2012/main">
         <p15:guide id="1" orient="horz" pos="2928">
           <p15:clr>
             <a:srgbClr val="A4A3A4"/>
@@ -310,7 +309,7 @@
             <a:fld id="{3BF7C7B5-275F-4D1F-9AB4-9255447DBC73}" type="datetimeFigureOut">
               <a:rPr lang="en-US"/>
               <a:pPr/>
-              <a:t>11/7/2014</a:t>
+              <a:t>2/1/2016</a:t>
             </a:fld>
             <a:endParaRPr lang="en-US" dirty="0"/>
           </a:p>
@@ -541,7 +540,7 @@
             <a:fld id="{9B46F231-FB2B-4655-A644-E2477325E686}" type="datetimeFigureOut">
               <a:rPr lang="en-US"/>
               <a:pPr/>
-              <a:t>11/7/2014</a:t>
+              <a:t>2/1/2016</a:t>
             </a:fld>
             <a:endParaRPr lang="en-US" dirty="0"/>
           </a:p>
@@ -10451,409 +10450,6 @@
 </file>
 
 <file path=ppt/slides/slide19.xml><?xml version="1.0" encoding="utf-8"?>
-<p:sld xmlns:a="http://schemas.openxmlformats.org/drawingml/2006/main" xmlns:r="http://schemas.openxmlformats.org/officeDocument/2006/relationships" xmlns:p="http://schemas.openxmlformats.org/presentationml/2006/main" show="0">
-  <p:cSld>
-    <p:spTree>
-      <p:nvGrpSpPr>
-        <p:cNvPr id="1" name=""/>
-        <p:cNvGrpSpPr/>
-        <p:nvPr/>
-      </p:nvGrpSpPr>
-      <p:grpSpPr>
-        <a:xfrm>
-          <a:off x="0" y="0"/>
-          <a:ext cx="0" cy="0"/>
-          <a:chOff x="0" y="0"/>
-          <a:chExt cx="0" cy="0"/>
-        </a:xfrm>
-      </p:grpSpPr>
-      <p:sp>
-        <p:nvSpPr>
-          <p:cNvPr id="4" name="Title 3"/>
-          <p:cNvSpPr>
-            <a:spLocks noGrp="1"/>
-          </p:cNvSpPr>
-          <p:nvPr>
-            <p:ph type="title"/>
-          </p:nvPr>
-        </p:nvSpPr>
-        <p:spPr/>
-        <p:txBody>
-          <a:bodyPr/>
-          <a:lstStyle/>
-          <a:p>
-            <a:r>
-              <a:rPr lang="en-US" dirty="0" smtClean="0"/>
-              <a:t>Homework</a:t>
-            </a:r>
-            <a:endParaRPr lang="bg-BG" dirty="0"/>
-          </a:p>
-        </p:txBody>
-      </p:sp>
-      <p:sp>
-        <p:nvSpPr>
-          <p:cNvPr id="5" name="Content Placeholder 4"/>
-          <p:cNvSpPr>
-            <a:spLocks noGrp="1"/>
-          </p:cNvSpPr>
-          <p:nvPr>
-            <p:ph idx="1"/>
-          </p:nvPr>
-        </p:nvSpPr>
-        <p:spPr>
-          <a:xfrm>
-            <a:off x="228600" y="805343"/>
-            <a:ext cx="8686800" cy="5791200"/>
-          </a:xfrm>
-        </p:spPr>
-        <p:txBody>
-          <a:bodyPr/>
-          <a:lstStyle/>
-          <a:p>
-            <a:pPr marL="514350" indent="-514350">
-              <a:lnSpc>
-                <a:spcPct val="100000"/>
-              </a:lnSpc>
-              <a:spcBef>
-                <a:spcPts val="200"/>
-              </a:spcBef>
-              <a:spcAft>
-                <a:spcPts val="200"/>
-              </a:spcAft>
-              <a:buFont typeface="+mj-lt"/>
-              <a:buAutoNum type="arabicPeriod"/>
-            </a:pPr>
-            <a:r>
-              <a:rPr lang="en-US" sz="2800" dirty="0" smtClean="0"/>
-              <a:t>Create the </a:t>
-            </a:r>
-            <a:r>
-              <a:rPr lang="en-US" sz="2800" dirty="0" err="1" smtClean="0"/>
-              <a:t>WebForms</a:t>
-            </a:r>
-            <a:r>
-              <a:rPr lang="en-US" sz="2800" dirty="0" smtClean="0"/>
-              <a:t> “Library System” exam with ASP.NET MVC and Kendo UI Server Side Wrappers using as much widgets as you can: </a:t>
-            </a:r>
-          </a:p>
-          <a:p>
-            <a:pPr lvl="1">
-              <a:lnSpc>
-                <a:spcPct val="100000"/>
-              </a:lnSpc>
-              <a:spcBef>
-                <a:spcPts val="200"/>
-              </a:spcBef>
-              <a:spcAft>
-                <a:spcPts val="200"/>
-              </a:spcAft>
-            </a:pPr>
-            <a:r>
-              <a:rPr lang="en-US" sz="2600" dirty="0" err="1" smtClean="0"/>
-              <a:t>TreeView</a:t>
-            </a:r>
-            <a:r>
-              <a:rPr lang="en-US" sz="2600" dirty="0" smtClean="0"/>
-              <a:t> for the Home page</a:t>
-            </a:r>
-            <a:endParaRPr lang="en-US" sz="2600" dirty="0"/>
-          </a:p>
-          <a:p>
-            <a:pPr lvl="1">
-              <a:lnSpc>
-                <a:spcPct val="100000"/>
-              </a:lnSpc>
-              <a:spcBef>
-                <a:spcPts val="200"/>
-              </a:spcBef>
-              <a:spcAft>
-                <a:spcPts val="200"/>
-              </a:spcAft>
-            </a:pPr>
-            <a:r>
-              <a:rPr lang="en-US" sz="2600" dirty="0" smtClean="0"/>
-              <a:t>Grid for the Administration</a:t>
-            </a:r>
-          </a:p>
-          <a:p>
-            <a:pPr lvl="1">
-              <a:lnSpc>
-                <a:spcPct val="100000"/>
-              </a:lnSpc>
-              <a:spcBef>
-                <a:spcPts val="200"/>
-              </a:spcBef>
-              <a:spcAft>
-                <a:spcPts val="200"/>
-              </a:spcAft>
-            </a:pPr>
-            <a:r>
-              <a:rPr lang="en-US" sz="2600" dirty="0" smtClean="0"/>
-              <a:t>AutoComplete for the Search input </a:t>
-            </a:r>
-          </a:p>
-          <a:p>
-            <a:pPr lvl="1">
-              <a:lnSpc>
-                <a:spcPct val="100000"/>
-              </a:lnSpc>
-              <a:spcBef>
-                <a:spcPts val="200"/>
-              </a:spcBef>
-              <a:spcAft>
-                <a:spcPts val="200"/>
-              </a:spcAft>
-            </a:pPr>
-            <a:r>
-              <a:rPr lang="en-US" sz="2600" dirty="0" err="1" smtClean="0"/>
-              <a:t>DropDownList</a:t>
-            </a:r>
-            <a:r>
-              <a:rPr lang="en-US" sz="2600" dirty="0" smtClean="0"/>
-              <a:t> for category selection</a:t>
-            </a:r>
-          </a:p>
-          <a:p>
-            <a:pPr lvl="1">
-              <a:lnSpc>
-                <a:spcPct val="100000"/>
-              </a:lnSpc>
-              <a:spcBef>
-                <a:spcPts val="200"/>
-              </a:spcBef>
-              <a:spcAft>
-                <a:spcPts val="200"/>
-              </a:spcAft>
-            </a:pPr>
-            <a:r>
-              <a:rPr lang="en-US" sz="2600" dirty="0" smtClean="0"/>
-              <a:t>Others</a:t>
-            </a:r>
-            <a:endParaRPr lang="en-US" sz="2600" dirty="0"/>
-          </a:p>
-        </p:txBody>
-      </p:sp>
-    </p:spTree>
-    <p:extLst>
-      <p:ext uri="{BB962C8B-B14F-4D97-AF65-F5344CB8AC3E}">
-        <p14:creationId xmlns:p14="http://schemas.microsoft.com/office/powerpoint/2010/main" val="2316758346"/>
-      </p:ext>
-    </p:extLst>
-  </p:cSld>
-  <p:clrMapOvr>
-    <a:masterClrMapping/>
-  </p:clrMapOvr>
-  <mc:AlternateContent xmlns:mc="http://schemas.openxmlformats.org/markup-compatibility/2006">
-    <mc:Choice xmlns:p14="http://schemas.microsoft.com/office/powerpoint/2010/main" Requires="p14">
-      <p:transition spd="slow" p14:dur="2000"/>
-    </mc:Choice>
-    <mc:Fallback>
-      <p:transition spd="slow"/>
-    </mc:Fallback>
-  </mc:AlternateContent>
-</p:sld>
-</file>
-
-<file path=ppt/slides/slide2.xml><?xml version="1.0" encoding="utf-8"?>
-<p:sld xmlns:a="http://schemas.openxmlformats.org/drawingml/2006/main" xmlns:r="http://schemas.openxmlformats.org/officeDocument/2006/relationships" xmlns:p="http://schemas.openxmlformats.org/presentationml/2006/main">
-  <p:cSld>
-    <p:spTree>
-      <p:nvGrpSpPr>
-        <p:cNvPr id="1" name=""/>
-        <p:cNvGrpSpPr/>
-        <p:nvPr/>
-      </p:nvGrpSpPr>
-      <p:grpSpPr>
-        <a:xfrm>
-          <a:off x="0" y="0"/>
-          <a:ext cx="0" cy="0"/>
-          <a:chOff x="0" y="0"/>
-          <a:chExt cx="0" cy="0"/>
-        </a:xfrm>
-      </p:grpSpPr>
-      <p:sp>
-        <p:nvSpPr>
-          <p:cNvPr id="2" name="Title 1"/>
-          <p:cNvSpPr>
-            <a:spLocks noGrp="1"/>
-          </p:cNvSpPr>
-          <p:nvPr>
-            <p:ph type="title"/>
-          </p:nvPr>
-        </p:nvSpPr>
-        <p:spPr/>
-        <p:txBody>
-          <a:bodyPr/>
-          <a:lstStyle/>
-          <a:p>
-            <a:r>
-              <a:rPr lang="en-US" dirty="0" smtClean="0"/>
-              <a:t>Table </a:t>
-            </a:r>
-            <a:r>
-              <a:rPr lang="en-US" smtClean="0"/>
-              <a:t>of Contents</a:t>
-            </a:r>
-            <a:endParaRPr lang="bg-BG"/>
-          </a:p>
-        </p:txBody>
-      </p:sp>
-      <p:sp>
-        <p:nvSpPr>
-          <p:cNvPr id="3" name="Content Placeholder 2"/>
-          <p:cNvSpPr>
-            <a:spLocks noGrp="1"/>
-          </p:cNvSpPr>
-          <p:nvPr>
-            <p:ph idx="1"/>
-          </p:nvPr>
-        </p:nvSpPr>
-        <p:spPr>
-          <a:xfrm>
-            <a:off x="381000" y="1066800"/>
-            <a:ext cx="8686800" cy="5791200"/>
-          </a:xfrm>
-        </p:spPr>
-        <p:txBody>
-          <a:bodyPr/>
-          <a:lstStyle/>
-          <a:p>
-            <a:r>
-              <a:rPr lang="en-US" dirty="0" smtClean="0"/>
-              <a:t>Kendo UI Summary and Installation</a:t>
-            </a:r>
-          </a:p>
-          <a:p>
-            <a:r>
-              <a:rPr lang="en-US" dirty="0" smtClean="0"/>
-              <a:t>Kendo HTML Helpers</a:t>
-            </a:r>
-          </a:p>
-          <a:p>
-            <a:r>
-              <a:rPr lang="en-US" dirty="0" smtClean="0"/>
-              <a:t>Kendo Widgets</a:t>
-            </a:r>
-          </a:p>
-          <a:p>
-            <a:r>
-              <a:rPr lang="en-US" dirty="0" smtClean="0"/>
-              <a:t>Kendo Grid</a:t>
-            </a:r>
-          </a:p>
-          <a:p>
-            <a:r>
-              <a:rPr lang="en-US" dirty="0" smtClean="0"/>
-              <a:t>Kendo DataViz</a:t>
-            </a:r>
-          </a:p>
-          <a:p>
-            <a:r>
-              <a:rPr lang="en-US" dirty="0" smtClean="0"/>
-              <a:t>Live Application Build</a:t>
-            </a:r>
-          </a:p>
-          <a:p>
-            <a:endParaRPr lang="bg-BG" dirty="0"/>
-          </a:p>
-        </p:txBody>
-      </p:sp>
-      <p:sp>
-        <p:nvSpPr>
-          <p:cNvPr id="4" name="Slide Number Placeholder 3"/>
-          <p:cNvSpPr>
-            <a:spLocks noGrp="1"/>
-          </p:cNvSpPr>
-          <p:nvPr>
-            <p:ph type="sldNum" sz="quarter" idx="10"/>
-          </p:nvPr>
-        </p:nvSpPr>
-        <p:spPr/>
-        <p:txBody>
-          <a:bodyPr/>
-          <a:lstStyle/>
-          <a:p>
-            <a:pPr>
-              <a:defRPr/>
-            </a:pPr>
-            <a:fld id="{58452FF4-89E3-4D1B-9927-2DBDC00E58D7}" type="slidenum">
-              <a:rPr lang="en-US" smtClean="0"/>
-              <a:pPr>
-                <a:defRPr/>
-              </a:pPr>
-              <a:t>2</a:t>
-            </a:fld>
-            <a:endParaRPr lang="en-US" dirty="0"/>
-          </a:p>
-        </p:txBody>
-      </p:sp>
-      <p:pic>
-        <p:nvPicPr>
-          <p:cNvPr id="5" name="Picture 5" descr="C:\Users\nkostov\Desktop\Untitled.png"/>
-          <p:cNvPicPr>
-            <a:picLocks noChangeAspect="1" noChangeArrowheads="1"/>
-          </p:cNvPicPr>
-          <p:nvPr/>
-        </p:nvPicPr>
-        <p:blipFill>
-          <a:blip r:embed="rId2">
-            <a:extLst>
-              <a:ext uri="{28A0092B-C50C-407E-A947-70E740481C1C}">
-                <a14:useLocalDpi xmlns:a14="http://schemas.microsoft.com/office/drawing/2010/main"/>
-              </a:ext>
-            </a:extLst>
-          </a:blip>
-          <a:srcRect/>
-          <a:stretch>
-            <a:fillRect/>
-          </a:stretch>
-        </p:blipFill>
-        <p:spPr bwMode="auto">
-          <a:xfrm rot="1502284">
-            <a:off x="4618399" y="3439981"/>
-            <a:ext cx="4482227" cy="3735189"/>
-          </a:xfrm>
-          <a:prstGeom prst="rect">
-            <a:avLst/>
-          </a:prstGeom>
-          <a:ln>
-            <a:noFill/>
-          </a:ln>
-          <a:effectLst>
-            <a:softEdge rad="112500"/>
-          </a:effectLst>
-          <a:extLst>
-            <a:ext uri="{909E8E84-426E-40DD-AFC4-6F175D3DCCD1}">
-              <a14:hiddenFill xmlns:a14="http://schemas.microsoft.com/office/drawing/2010/main">
-                <a:solidFill>
-                  <a:srgbClr val="FFFFFF"/>
-                </a:solidFill>
-              </a14:hiddenFill>
-            </a:ext>
-          </a:extLst>
-        </p:spPr>
-      </p:pic>
-    </p:spTree>
-    <p:extLst>
-      <p:ext uri="{BB962C8B-B14F-4D97-AF65-F5344CB8AC3E}">
-        <p14:creationId xmlns:p14="http://schemas.microsoft.com/office/powerpoint/2010/main" val="1442871658"/>
-      </p:ext>
-    </p:extLst>
-  </p:cSld>
-  <p:clrMapOvr>
-    <a:masterClrMapping/>
-  </p:clrMapOvr>
-  <p:timing>
-    <p:tnLst>
-      <p:par>
-        <p:cTn id="1" dur="indefinite" restart="never" nodeType="tmRoot"/>
-      </p:par>
-    </p:tnLst>
-  </p:timing>
-</p:sld>
-</file>
-
-<file path=ppt/slides/slide20.xml><?xml version="1.0" encoding="utf-8"?>
 <p:sld xmlns:a="http://schemas.openxmlformats.org/drawingml/2006/main" xmlns:r="http://schemas.openxmlformats.org/officeDocument/2006/relationships" xmlns:p="http://schemas.openxmlformats.org/presentationml/2006/main">
   <p:cSld>
     <p:spTree>
@@ -11313,6 +10909,205 @@
 </p:sld>
 </file>
 
+<file path=ppt/slides/slide2.xml><?xml version="1.0" encoding="utf-8"?>
+<p:sld xmlns:a="http://schemas.openxmlformats.org/drawingml/2006/main" xmlns:r="http://schemas.openxmlformats.org/officeDocument/2006/relationships" xmlns:p="http://schemas.openxmlformats.org/presentationml/2006/main">
+  <p:cSld>
+    <p:spTree>
+      <p:nvGrpSpPr>
+        <p:cNvPr id="1" name=""/>
+        <p:cNvGrpSpPr/>
+        <p:nvPr/>
+      </p:nvGrpSpPr>
+      <p:grpSpPr>
+        <a:xfrm>
+          <a:off x="0" y="0"/>
+          <a:ext cx="0" cy="0"/>
+          <a:chOff x="0" y="0"/>
+          <a:chExt cx="0" cy="0"/>
+        </a:xfrm>
+      </p:grpSpPr>
+      <p:sp>
+        <p:nvSpPr>
+          <p:cNvPr id="2" name="Title 1"/>
+          <p:cNvSpPr>
+            <a:spLocks noGrp="1"/>
+          </p:cNvSpPr>
+          <p:nvPr>
+            <p:ph type="title"/>
+          </p:nvPr>
+        </p:nvSpPr>
+        <p:spPr/>
+        <p:txBody>
+          <a:bodyPr/>
+          <a:lstStyle/>
+          <a:p>
+            <a:r>
+              <a:rPr lang="en-US" dirty="0" smtClean="0"/>
+              <a:t>Table </a:t>
+            </a:r>
+            <a:r>
+              <a:rPr lang="en-US" smtClean="0"/>
+              <a:t>of Contents</a:t>
+            </a:r>
+            <a:endParaRPr lang="bg-BG"/>
+          </a:p>
+        </p:txBody>
+      </p:sp>
+      <p:sp>
+        <p:nvSpPr>
+          <p:cNvPr id="3" name="Content Placeholder 2"/>
+          <p:cNvSpPr>
+            <a:spLocks noGrp="1"/>
+          </p:cNvSpPr>
+          <p:nvPr>
+            <p:ph idx="1"/>
+          </p:nvPr>
+        </p:nvSpPr>
+        <p:spPr>
+          <a:xfrm>
+            <a:off x="381000" y="1066800"/>
+            <a:ext cx="8686800" cy="5791200"/>
+          </a:xfrm>
+        </p:spPr>
+        <p:txBody>
+          <a:bodyPr/>
+          <a:lstStyle/>
+          <a:p>
+            <a:r>
+              <a:rPr lang="en-US" dirty="0" smtClean="0"/>
+              <a:t>Kendo UI Summary and Installation</a:t>
+            </a:r>
+          </a:p>
+          <a:p>
+            <a:r>
+              <a:rPr lang="en-US" dirty="0" smtClean="0"/>
+              <a:t>Kendo HTML Helpers</a:t>
+            </a:r>
+          </a:p>
+          <a:p>
+            <a:r>
+              <a:rPr lang="en-US" dirty="0" smtClean="0"/>
+              <a:t>Kendo Widgets</a:t>
+            </a:r>
+          </a:p>
+          <a:p>
+            <a:r>
+              <a:rPr lang="en-US" dirty="0" smtClean="0"/>
+              <a:t>Kendo Grid</a:t>
+            </a:r>
+          </a:p>
+          <a:p>
+            <a:r>
+              <a:rPr lang="en-US" dirty="0" smtClean="0"/>
+              <a:t>Kendo DataViz</a:t>
+            </a:r>
+          </a:p>
+          <a:p>
+            <a:r>
+              <a:rPr lang="en-US" dirty="0" smtClean="0"/>
+              <a:t>Live Application Build</a:t>
+            </a:r>
+          </a:p>
+          <a:p>
+            <a:endParaRPr lang="bg-BG" dirty="0"/>
+          </a:p>
+        </p:txBody>
+      </p:sp>
+      <p:sp>
+        <p:nvSpPr>
+          <p:cNvPr id="4" name="Slide Number Placeholder 3"/>
+          <p:cNvSpPr>
+            <a:spLocks noGrp="1"/>
+          </p:cNvSpPr>
+          <p:nvPr>
+            <p:ph type="sldNum" sz="quarter" idx="10"/>
+          </p:nvPr>
+        </p:nvSpPr>
+        <p:spPr/>
+        <p:txBody>
+          <a:bodyPr/>
+          <a:lstStyle/>
+          <a:p>
+            <a:pPr>
+              <a:defRPr/>
+            </a:pPr>
+            <a:fld id="{58452FF4-89E3-4D1B-9927-2DBDC00E58D7}" type="slidenum">
+              <a:rPr lang="en-US" smtClean="0"/>
+              <a:pPr>
+                <a:defRPr/>
+              </a:pPr>
+              <a:t>2</a:t>
+            </a:fld>
+            <a:endParaRPr lang="en-US" dirty="0"/>
+          </a:p>
+        </p:txBody>
+      </p:sp>
+      <p:pic>
+        <p:nvPicPr>
+          <p:cNvPr id="5" name="Picture 5" descr="C:\Users\nkostov\Desktop\Untitled.png"/>
+          <p:cNvPicPr>
+            <a:picLocks noChangeAspect="1" noChangeArrowheads="1"/>
+          </p:cNvPicPr>
+          <p:nvPr/>
+        </p:nvPicPr>
+        <p:blipFill>
+          <a:blip r:embed="rId2">
+            <a:extLst>
+              <a:ext uri="{28A0092B-C50C-407E-A947-70E740481C1C}">
+                <a14:useLocalDpi xmlns:a14="http://schemas.microsoft.com/office/drawing/2010/main"/>
+              </a:ext>
+            </a:extLst>
+          </a:blip>
+          <a:srcRect/>
+          <a:stretch>
+            <a:fillRect/>
+          </a:stretch>
+        </p:blipFill>
+        <p:spPr bwMode="auto">
+          <a:xfrm rot="1502284">
+            <a:off x="4618399" y="3439981"/>
+            <a:ext cx="4482227" cy="3735189"/>
+          </a:xfrm>
+          <a:prstGeom prst="rect">
+            <a:avLst/>
+          </a:prstGeom>
+          <a:ln>
+            <a:noFill/>
+          </a:ln>
+          <a:effectLst>
+            <a:softEdge rad="112500"/>
+          </a:effectLst>
+          <a:extLst>
+            <a:ext uri="{909E8E84-426E-40DD-AFC4-6F175D3DCCD1}">
+              <a14:hiddenFill xmlns:a14="http://schemas.microsoft.com/office/drawing/2010/main">
+                <a:solidFill>
+                  <a:srgbClr val="FFFFFF"/>
+                </a:solidFill>
+              </a14:hiddenFill>
+            </a:ext>
+          </a:extLst>
+        </p:spPr>
+      </p:pic>
+    </p:spTree>
+    <p:extLst>
+      <p:ext uri="{BB962C8B-B14F-4D97-AF65-F5344CB8AC3E}">
+        <p14:creationId xmlns:p14="http://schemas.microsoft.com/office/powerpoint/2010/main" val="1442871658"/>
+      </p:ext>
+    </p:extLst>
+  </p:cSld>
+  <p:clrMapOvr>
+    <a:masterClrMapping/>
+  </p:clrMapOvr>
+  <p:timing>
+    <p:tnLst>
+      <p:par>
+        <p:cTn id="1" dur="indefinite" restart="never" nodeType="tmRoot"/>
+      </p:par>
+    </p:tnLst>
+  </p:timing>
+</p:sld>
+</file>
+
 <file path=ppt/slides/slide3.xml><?xml version="1.0" encoding="utf-8"?>
 <p:sld xmlns:a="http://schemas.openxmlformats.org/drawingml/2006/main" xmlns:r="http://schemas.openxmlformats.org/officeDocument/2006/relationships" xmlns:p="http://schemas.openxmlformats.org/presentationml/2006/main">
   <p:cSld>
@@ -12209,10 +12004,10 @@
                   </a:schemeClr>
                 </a:solidFill>
               </a:rPr>
-              <a:t>...\</a:t>
-            </a:r>
-            <a:r>
-              <a:rPr lang="en-US" sz="2800" dirty="0" smtClean="0">
+              <a:t>...\wrappers\</a:t>
+            </a:r>
+            <a:r>
+              <a:rPr lang="en-US" sz="2800" dirty="0" err="1" smtClean="0">
                 <a:solidFill>
                   <a:schemeClr val="accent6">
                     <a:lumMod val="20000"/>
@@ -12220,10 +12015,10 @@
                   </a:schemeClr>
                 </a:solidFill>
               </a:rPr>
-              <a:t>wrappers\</a:t>
-            </a:r>
-            <a:r>
-              <a:rPr lang="en-US" sz="2800" dirty="0" err="1" smtClean="0">
+              <a:t>aspnetmvc</a:t>
+            </a:r>
+            <a:r>
+              <a:rPr lang="en-US" sz="2800" dirty="0" smtClean="0">
                 <a:solidFill>
                   <a:schemeClr val="accent6">
                     <a:lumMod val="20000"/>
@@ -12231,27 +12026,8 @@
                   </a:schemeClr>
                 </a:solidFill>
               </a:rPr>
-              <a:t>aspnetmvc</a:t>
-            </a:r>
-            <a:r>
-              <a:rPr lang="en-US" sz="2800" dirty="0" smtClean="0">
-                <a:solidFill>
-                  <a:schemeClr val="accent6">
-                    <a:lumMod val="20000"/>
-                    <a:lumOff val="80000"/>
-                  </a:schemeClr>
-                </a:solidFill>
-              </a:rPr>
               <a:t>\Binaries\Mvc5</a:t>
             </a:r>
-            <a:endParaRPr lang="en-US" sz="2800" dirty="0" smtClean="0">
-              <a:solidFill>
-                <a:schemeClr val="accent6">
-                  <a:lumMod val="20000"/>
-                  <a:lumOff val="80000"/>
-                </a:schemeClr>
-              </a:solidFill>
-            </a:endParaRPr>
           </a:p>
           <a:p>
             <a:r>
